--- a/classwork_29_04_2021.pptx
+++ b/classwork_29_04_2021.pptx
@@ -6,6 +6,7 @@
   </p:sldMasterIdLst>
   <p:sldIdLst>
     <p:sldId id="257" r:id="rId2"/>
+    <p:sldId id="258" r:id="rId3"/>
   </p:sldIdLst>
   <p:sldSz cx="12192000" cy="6858000"/>
   <p:notesSz cx="6858000" cy="9144000"/>
@@ -3048,13 +3049,8 @@
             </a:r>
             <a:r>
               <a:rPr lang="en-GB" sz="1000" dirty="0" smtClean="0"/>
-              <a:t>        DISPLAY “The number </a:t>
-            </a:r>
-            <a:r>
-              <a:rPr lang="en-GB" sz="1000" smtClean="0"/>
-              <a:t>is even”</a:t>
-            </a:r>
-            <a:endParaRPr lang="en-GB" sz="1000" dirty="0" smtClean="0"/>
+              <a:t>        DISPLAY “The number is even”</a:t>
+            </a:r>
           </a:p>
         </p:txBody>
       </p:sp>
@@ -3062,6 +3058,289 @@
     <p:extLst>
       <p:ext uri="{BB962C8B-B14F-4D97-AF65-F5344CB8AC3E}">
         <p14:creationId xmlns:p14="http://schemas.microsoft.com/office/powerpoint/2010/main" val="2125167465"/>
+      </p:ext>
+    </p:extLst>
+  </p:cSld>
+  <p:clrMapOvr>
+    <a:masterClrMapping/>
+  </p:clrMapOvr>
+</p:sld>
+</file>
+
+<file path=ppt/slides/slide2.xml><?xml version="1.0" encoding="utf-8"?>
+<p:sld xmlns:a="http://schemas.openxmlformats.org/drawingml/2006/main" xmlns:r="http://schemas.openxmlformats.org/officeDocument/2006/relationships" xmlns:p="http://schemas.openxmlformats.org/presentationml/2006/main">
+  <p:cSld>
+    <p:spTree>
+      <p:nvGrpSpPr>
+        <p:cNvPr id="1" name=""/>
+        <p:cNvGrpSpPr/>
+        <p:nvPr/>
+      </p:nvGrpSpPr>
+      <p:grpSpPr>
+        <a:xfrm>
+          <a:off x="0" y="0"/>
+          <a:ext cx="0" cy="0"/>
+          <a:chOff x="0" y="0"/>
+          <a:chExt cx="0" cy="0"/>
+        </a:xfrm>
+      </p:grpSpPr>
+      <p:sp>
+        <p:nvSpPr>
+          <p:cNvPr id="2" name="TextBox 1"/>
+          <p:cNvSpPr txBox="1"/>
+          <p:nvPr/>
+        </p:nvSpPr>
+        <p:spPr>
+          <a:xfrm>
+            <a:off x="390698" y="357447"/>
+            <a:ext cx="3557847" cy="3785652"/>
+          </a:xfrm>
+          <a:prstGeom prst="rect">
+            <a:avLst/>
+          </a:prstGeom>
+          <a:noFill/>
+        </p:spPr>
+        <p:txBody>
+          <a:bodyPr wrap="square" rtlCol="0">
+            <a:spAutoFit/>
+          </a:bodyPr>
+          <a:lstStyle/>
+          <a:p>
+            <a:r>
+              <a:rPr lang="en-GB" sz="1000" dirty="0" smtClean="0"/>
+              <a:t>BEGIN</a:t>
+            </a:r>
+          </a:p>
+          <a:p>
+            <a:r>
+              <a:rPr lang="en-GB" sz="1000" dirty="0"/>
+              <a:t> </a:t>
+            </a:r>
+            <a:r>
+              <a:rPr lang="en-GB" sz="1000" dirty="0" smtClean="0"/>
+              <a:t>   DISPLAY “PLAYER1 declare “odd” or “even””</a:t>
+            </a:r>
+          </a:p>
+          <a:p>
+            <a:r>
+              <a:rPr lang="en-GB" sz="1000" dirty="0" smtClean="0"/>
+              <a:t>    INPUT player1</a:t>
+            </a:r>
+          </a:p>
+          <a:p>
+            <a:r>
+              <a:rPr lang="en-GB" sz="1000" dirty="0"/>
+              <a:t> </a:t>
+            </a:r>
+            <a:r>
+              <a:rPr lang="en-GB" sz="1000" dirty="0" smtClean="0"/>
+              <a:t>   </a:t>
+            </a:r>
+            <a:r>
+              <a:rPr lang="en-GB" sz="1000" dirty="0" smtClean="0"/>
+              <a:t>DISPLAY “PLAYER1 declare “odd” or “even””</a:t>
+            </a:r>
+          </a:p>
+          <a:p>
+            <a:r>
+              <a:rPr lang="en-GB" sz="1000" dirty="0"/>
+              <a:t> </a:t>
+            </a:r>
+            <a:r>
+              <a:rPr lang="en-GB" sz="1000" dirty="0" smtClean="0"/>
+              <a:t>   INPUT player1</a:t>
+            </a:r>
+          </a:p>
+          <a:p>
+            <a:r>
+              <a:rPr lang="en-GB" sz="1000" dirty="0"/>
+              <a:t> </a:t>
+            </a:r>
+            <a:r>
+              <a:rPr lang="en-GB" sz="1000" dirty="0" smtClean="0"/>
+              <a:t>   DISPLAY “Ready…….”</a:t>
+            </a:r>
+          </a:p>
+          <a:p>
+            <a:r>
+              <a:rPr lang="en-GB" sz="1000" dirty="0"/>
+              <a:t> </a:t>
+            </a:r>
+            <a:r>
+              <a:rPr lang="en-GB" sz="1000" dirty="0" smtClean="0"/>
+              <a:t>   DISPLAY “PLAYER1 enter a number: “</a:t>
+            </a:r>
+          </a:p>
+          <a:p>
+            <a:r>
+              <a:rPr lang="en-GB" sz="1000" dirty="0"/>
+              <a:t> </a:t>
+            </a:r>
+            <a:r>
+              <a:rPr lang="en-GB" sz="1000" dirty="0" smtClean="0"/>
+              <a:t>   INPUT p1</a:t>
+            </a:r>
+          </a:p>
+          <a:p>
+            <a:r>
+              <a:rPr lang="en-GB" sz="1000" dirty="0"/>
+              <a:t> </a:t>
+            </a:r>
+            <a:r>
+              <a:rPr lang="en-GB" sz="1000" dirty="0" smtClean="0"/>
+              <a:t>   DISPLAY “PLAYER2 enter a number: “</a:t>
+            </a:r>
+          </a:p>
+          <a:p>
+            <a:r>
+              <a:rPr lang="en-GB" sz="1000" dirty="0"/>
+              <a:t> </a:t>
+            </a:r>
+            <a:r>
+              <a:rPr lang="en-GB" sz="1000" dirty="0" smtClean="0"/>
+              <a:t>   INPUT p2</a:t>
+            </a:r>
+          </a:p>
+          <a:p>
+            <a:r>
+              <a:rPr lang="en-GB" sz="1000" dirty="0"/>
+              <a:t> </a:t>
+            </a:r>
+            <a:r>
+              <a:rPr lang="en-GB" sz="1000" dirty="0" smtClean="0"/>
+              <a:t>   IF (p1 + p2) mod 2 = 0 THEN</a:t>
+            </a:r>
+          </a:p>
+          <a:p>
+            <a:r>
+              <a:rPr lang="en-GB" sz="1000" dirty="0"/>
+              <a:t> </a:t>
+            </a:r>
+            <a:r>
+              <a:rPr lang="en-GB" sz="1000" dirty="0" smtClean="0"/>
+              <a:t>       IF player1 == “even” THEN</a:t>
+            </a:r>
+          </a:p>
+          <a:p>
+            <a:r>
+              <a:rPr lang="en-GB" sz="1000" dirty="0"/>
+              <a:t> </a:t>
+            </a:r>
+            <a:r>
+              <a:rPr lang="en-GB" sz="1000" dirty="0" smtClean="0"/>
+              <a:t>           DISPLAY “PLAYER1 wins”</a:t>
+            </a:r>
+            <a:endParaRPr lang="en-GB" sz="1000" dirty="0"/>
+          </a:p>
+          <a:p>
+            <a:r>
+              <a:rPr lang="en-GB" sz="1000" dirty="0" smtClean="0"/>
+              <a:t>        ELSE</a:t>
+            </a:r>
+          </a:p>
+          <a:p>
+            <a:r>
+              <a:rPr lang="en-GB" sz="1000" dirty="0"/>
+              <a:t> </a:t>
+            </a:r>
+            <a:r>
+              <a:rPr lang="en-GB" sz="1000" dirty="0" smtClean="0"/>
+              <a:t>           DISPLAY “PLAYER2 wins”</a:t>
+            </a:r>
+          </a:p>
+          <a:p>
+            <a:r>
+              <a:rPr lang="en-GB" sz="1000" dirty="0"/>
+              <a:t> </a:t>
+            </a:r>
+            <a:r>
+              <a:rPr lang="en-GB" sz="1000" dirty="0" smtClean="0"/>
+              <a:t>   IF (p1 + p2) mod2 ==1 THEN</a:t>
+            </a:r>
+          </a:p>
+          <a:p>
+            <a:r>
+              <a:rPr lang="en-GB" sz="1000" dirty="0"/>
+              <a:t> </a:t>
+            </a:r>
+            <a:r>
+              <a:rPr lang="en-GB" sz="1000" dirty="0" smtClean="0"/>
+              <a:t>       IF player1 == “odd” THEN</a:t>
+            </a:r>
+          </a:p>
+          <a:p>
+            <a:r>
+              <a:rPr lang="en-GB" sz="1000" dirty="0"/>
+              <a:t> </a:t>
+            </a:r>
+            <a:r>
+              <a:rPr lang="en-GB" sz="1000" dirty="0" smtClean="0"/>
+              <a:t>           DISPLAY “PLAYER1 wins”</a:t>
+            </a:r>
+          </a:p>
+          <a:p>
+            <a:r>
+              <a:rPr lang="en-GB" sz="1000" dirty="0"/>
+              <a:t> </a:t>
+            </a:r>
+            <a:r>
+              <a:rPr lang="en-GB" sz="1000" dirty="0" smtClean="0"/>
+              <a:t>       ELSE</a:t>
+            </a:r>
+          </a:p>
+          <a:p>
+            <a:r>
+              <a:rPr lang="en-GB" sz="1000" dirty="0"/>
+              <a:t> </a:t>
+            </a:r>
+            <a:r>
+              <a:rPr lang="en-GB" sz="1000" dirty="0" smtClean="0"/>
+              <a:t>           DISPLAY “PLAYER2 wins”</a:t>
+            </a:r>
+          </a:p>
+          <a:p>
+            <a:r>
+              <a:rPr lang="en-GB" sz="1000" dirty="0"/>
+              <a:t> </a:t>
+            </a:r>
+            <a:r>
+              <a:rPr lang="en-GB" sz="1000" dirty="0" smtClean="0"/>
+              <a:t>       ENDIF</a:t>
+            </a:r>
+          </a:p>
+          <a:p>
+            <a:r>
+              <a:rPr lang="en-GB" sz="1000" dirty="0"/>
+              <a:t> </a:t>
+            </a:r>
+            <a:r>
+              <a:rPr lang="en-GB" sz="1000" dirty="0" smtClean="0"/>
+              <a:t>   ENDIF</a:t>
+            </a:r>
+          </a:p>
+          <a:p>
+            <a:r>
+              <a:rPr lang="en-GB" sz="1000" smtClean="0"/>
+              <a:t>END</a:t>
+            </a:r>
+            <a:endParaRPr lang="en-GB" sz="1000" dirty="0" smtClean="0"/>
+          </a:p>
+          <a:p>
+            <a:r>
+              <a:rPr lang="en-GB" sz="1000" dirty="0"/>
+              <a:t> </a:t>
+            </a:r>
+            <a:r>
+              <a:rPr lang="en-GB" sz="1000" dirty="0" smtClean="0"/>
+              <a:t>       </a:t>
+            </a:r>
+          </a:p>
+        </p:txBody>
+      </p:sp>
+    </p:spTree>
+    <p:extLst>
+      <p:ext uri="{BB962C8B-B14F-4D97-AF65-F5344CB8AC3E}">
+        <p14:creationId xmlns:p14="http://schemas.microsoft.com/office/powerpoint/2010/main" val="3635941920"/>
       </p:ext>
     </p:extLst>
   </p:cSld>
